--- a/Slides/Basketball 3/Basketball_3_Lecture.pptx
+++ b/Slides/Basketball 3/Basketball_3_Lecture.pptx
@@ -224,7 +224,7 @@
           <a:p>
             <a:fld id="{C04E5E84-956F-4423-97B3-5936A6D8EEEE}" type="datetimeFigureOut">
               <a:rPr lang="en-US" smtClean="0"/>
-              <a:t>9/29/2019</a:t>
+              <a:t>10/1/2019</a:t>
             </a:fld>
             <a:endParaRPr lang="en-US"/>
           </a:p>
@@ -685,7 +685,7 @@
           <a:p>
             <a:fld id="{3881C039-66A3-4640-815B-3B5A8B7D868D}" type="datetimeFigureOut">
               <a:rPr lang="en-US" smtClean="0"/>
-              <a:t>9/29/2019</a:t>
+              <a:t>10/1/2019</a:t>
             </a:fld>
             <a:endParaRPr lang="en-US"/>
           </a:p>
@@ -855,7 +855,7 @@
           <a:p>
             <a:fld id="{3881C039-66A3-4640-815B-3B5A8B7D868D}" type="datetimeFigureOut">
               <a:rPr lang="en-US" smtClean="0"/>
-              <a:t>9/29/2019</a:t>
+              <a:t>10/1/2019</a:t>
             </a:fld>
             <a:endParaRPr lang="en-US"/>
           </a:p>
@@ -1076,7 +1076,7 @@
           <a:p>
             <a:fld id="{3881C039-66A3-4640-815B-3B5A8B7D868D}" type="datetimeFigureOut">
               <a:rPr lang="en-US" smtClean="0"/>
-              <a:t>9/29/2019</a:t>
+              <a:t>10/1/2019</a:t>
             </a:fld>
             <a:endParaRPr lang="en-US"/>
           </a:p>
@@ -1287,7 +1287,7 @@
           <a:p>
             <a:fld id="{3881C039-66A3-4640-815B-3B5A8B7D868D}" type="datetimeFigureOut">
               <a:rPr lang="en-US" smtClean="0"/>
-              <a:t>9/29/2019</a:t>
+              <a:t>10/1/2019</a:t>
             </a:fld>
             <a:endParaRPr lang="en-US"/>
           </a:p>
@@ -1582,7 +1582,7 @@
           <a:p>
             <a:fld id="{3881C039-66A3-4640-815B-3B5A8B7D868D}" type="datetimeFigureOut">
               <a:rPr lang="en-US" smtClean="0"/>
-              <a:t>9/29/2019</a:t>
+              <a:t>10/1/2019</a:t>
             </a:fld>
             <a:endParaRPr lang="en-US"/>
           </a:p>
@@ -1911,7 +1911,7 @@
           <a:p>
             <a:fld id="{3881C039-66A3-4640-815B-3B5A8B7D868D}" type="datetimeFigureOut">
               <a:rPr lang="en-US" smtClean="0"/>
-              <a:t>9/29/2019</a:t>
+              <a:t>10/1/2019</a:t>
             </a:fld>
             <a:endParaRPr lang="en-US"/>
           </a:p>
@@ -2403,7 +2403,7 @@
           <a:p>
             <a:fld id="{3881C039-66A3-4640-815B-3B5A8B7D868D}" type="datetimeFigureOut">
               <a:rPr lang="en-US" smtClean="0"/>
-              <a:t>9/29/2019</a:t>
+              <a:t>10/1/2019</a:t>
             </a:fld>
             <a:endParaRPr lang="en-US"/>
           </a:p>
@@ -2562,7 +2562,7 @@
           <a:p>
             <a:fld id="{3881C039-66A3-4640-815B-3B5A8B7D868D}" type="datetimeFigureOut">
               <a:rPr lang="en-US" smtClean="0"/>
-              <a:t>9/29/2019</a:t>
+              <a:t>10/1/2019</a:t>
             </a:fld>
             <a:endParaRPr lang="en-US"/>
           </a:p>
@@ -2698,7 +2698,7 @@
           <a:p>
             <a:fld id="{3881C039-66A3-4640-815B-3B5A8B7D868D}" type="datetimeFigureOut">
               <a:rPr lang="en-US" smtClean="0"/>
-              <a:t>9/29/2019</a:t>
+              <a:t>10/1/2019</a:t>
             </a:fld>
             <a:endParaRPr lang="en-US"/>
           </a:p>
@@ -3026,7 +3026,7 @@
           <a:p>
             <a:fld id="{3881C039-66A3-4640-815B-3B5A8B7D868D}" type="datetimeFigureOut">
               <a:rPr lang="en-US" smtClean="0"/>
-              <a:t>9/29/2019</a:t>
+              <a:t>10/1/2019</a:t>
             </a:fld>
             <a:endParaRPr lang="en-US"/>
           </a:p>
@@ -3341,7 +3341,7 @@
           <a:p>
             <a:fld id="{3881C039-66A3-4640-815B-3B5A8B7D868D}" type="datetimeFigureOut">
               <a:rPr lang="en-US" smtClean="0"/>
-              <a:t>9/29/2019</a:t>
+              <a:t>10/1/2019</a:t>
             </a:fld>
             <a:endParaRPr lang="en-US"/>
           </a:p>
@@ -3593,7 +3593,7 @@
           <a:p>
             <a:fld id="{3881C039-66A3-4640-815B-3B5A8B7D868D}" type="datetimeFigureOut">
               <a:rPr lang="en-US" smtClean="0"/>
-              <a:t>9/29/2019</a:t>
+              <a:t>10/1/2019</a:t>
             </a:fld>
             <a:endParaRPr lang="en-US"/>
           </a:p>
@@ -11819,7 +11819,7 @@
                 </a:solidFill>
                 <a:latin typeface="Selawik Semibold" panose="020B0702040204020203" pitchFamily="34" charset="0"/>
               </a:rPr>
-              <a:t>Teams Average 300-600 Unique Lineups</a:t>
+              <a:t>Approximately 300-600 Unique Lineups in a Season</a:t>
             </a:r>
           </a:p>
           <a:p>
@@ -15635,7 +15635,25 @@
                 </a:solidFill>
                 <a:latin typeface="Selawik Semibold" panose="020B0702040204020203" pitchFamily="34" charset="0"/>
               </a:rPr>
-              <a:t>P-Value: Indicates the Probability Team 1 Superior to Team 2</a:t>
+              <a:t>P-Value &lt; 0.05: </a:t>
+            </a:r>
+            <a:r>
+              <a:rPr lang="en-US" sz="2000">
+                <a:solidFill>
+                  <a:schemeClr val="bg1"/>
+                </a:solidFill>
+                <a:latin typeface="Selawik Semibold" panose="020B0702040204020203" pitchFamily="34" charset="0"/>
+              </a:rPr>
+              <a:t>Indicates Team </a:t>
+            </a:r>
+            <a:r>
+              <a:rPr lang="en-US" sz="2000" dirty="0">
+                <a:solidFill>
+                  <a:schemeClr val="bg1"/>
+                </a:solidFill>
+                <a:latin typeface="Selawik Semibold" panose="020B0702040204020203" pitchFamily="34" charset="0"/>
+              </a:rPr>
+              <a:t>1 Superior to Team 2</a:t>
             </a:r>
           </a:p>
           <a:p>

--- a/Slides/Basketball 3/Basketball_3_Lecture.pptx
+++ b/Slides/Basketball 3/Basketball_3_Lecture.pptx
@@ -224,7 +224,7 @@
           <a:p>
             <a:fld id="{C04E5E84-956F-4423-97B3-5936A6D8EEEE}" type="datetimeFigureOut">
               <a:rPr lang="en-US" smtClean="0"/>
-              <a:t>10/1/2019</a:t>
+              <a:t>10/2/2019</a:t>
             </a:fld>
             <a:endParaRPr lang="en-US"/>
           </a:p>
@@ -685,7 +685,7 @@
           <a:p>
             <a:fld id="{3881C039-66A3-4640-815B-3B5A8B7D868D}" type="datetimeFigureOut">
               <a:rPr lang="en-US" smtClean="0"/>
-              <a:t>10/1/2019</a:t>
+              <a:t>10/2/2019</a:t>
             </a:fld>
             <a:endParaRPr lang="en-US"/>
           </a:p>
@@ -855,7 +855,7 @@
           <a:p>
             <a:fld id="{3881C039-66A3-4640-815B-3B5A8B7D868D}" type="datetimeFigureOut">
               <a:rPr lang="en-US" smtClean="0"/>
-              <a:t>10/1/2019</a:t>
+              <a:t>10/2/2019</a:t>
             </a:fld>
             <a:endParaRPr lang="en-US"/>
           </a:p>
@@ -1076,7 +1076,7 @@
           <a:p>
             <a:fld id="{3881C039-66A3-4640-815B-3B5A8B7D868D}" type="datetimeFigureOut">
               <a:rPr lang="en-US" smtClean="0"/>
-              <a:t>10/1/2019</a:t>
+              <a:t>10/2/2019</a:t>
             </a:fld>
             <a:endParaRPr lang="en-US"/>
           </a:p>
@@ -1287,7 +1287,7 @@
           <a:p>
             <a:fld id="{3881C039-66A3-4640-815B-3B5A8B7D868D}" type="datetimeFigureOut">
               <a:rPr lang="en-US" smtClean="0"/>
-              <a:t>10/1/2019</a:t>
+              <a:t>10/2/2019</a:t>
             </a:fld>
             <a:endParaRPr lang="en-US"/>
           </a:p>
@@ -1582,7 +1582,7 @@
           <a:p>
             <a:fld id="{3881C039-66A3-4640-815B-3B5A8B7D868D}" type="datetimeFigureOut">
               <a:rPr lang="en-US" smtClean="0"/>
-              <a:t>10/1/2019</a:t>
+              <a:t>10/2/2019</a:t>
             </a:fld>
             <a:endParaRPr lang="en-US"/>
           </a:p>
@@ -1911,7 +1911,7 @@
           <a:p>
             <a:fld id="{3881C039-66A3-4640-815B-3B5A8B7D868D}" type="datetimeFigureOut">
               <a:rPr lang="en-US" smtClean="0"/>
-              <a:t>10/1/2019</a:t>
+              <a:t>10/2/2019</a:t>
             </a:fld>
             <a:endParaRPr lang="en-US"/>
           </a:p>
@@ -2403,7 +2403,7 @@
           <a:p>
             <a:fld id="{3881C039-66A3-4640-815B-3B5A8B7D868D}" type="datetimeFigureOut">
               <a:rPr lang="en-US" smtClean="0"/>
-              <a:t>10/1/2019</a:t>
+              <a:t>10/2/2019</a:t>
             </a:fld>
             <a:endParaRPr lang="en-US"/>
           </a:p>
@@ -2562,7 +2562,7 @@
           <a:p>
             <a:fld id="{3881C039-66A3-4640-815B-3B5A8B7D868D}" type="datetimeFigureOut">
               <a:rPr lang="en-US" smtClean="0"/>
-              <a:t>10/1/2019</a:t>
+              <a:t>10/2/2019</a:t>
             </a:fld>
             <a:endParaRPr lang="en-US"/>
           </a:p>
@@ -2698,7 +2698,7 @@
           <a:p>
             <a:fld id="{3881C039-66A3-4640-815B-3B5A8B7D868D}" type="datetimeFigureOut">
               <a:rPr lang="en-US" smtClean="0"/>
-              <a:t>10/1/2019</a:t>
+              <a:t>10/2/2019</a:t>
             </a:fld>
             <a:endParaRPr lang="en-US"/>
           </a:p>
@@ -3026,7 +3026,7 @@
           <a:p>
             <a:fld id="{3881C039-66A3-4640-815B-3B5A8B7D868D}" type="datetimeFigureOut">
               <a:rPr lang="en-US" smtClean="0"/>
-              <a:t>10/1/2019</a:t>
+              <a:t>10/2/2019</a:t>
             </a:fld>
             <a:endParaRPr lang="en-US"/>
           </a:p>
@@ -3341,7 +3341,7 @@
           <a:p>
             <a:fld id="{3881C039-66A3-4640-815B-3B5A8B7D868D}" type="datetimeFigureOut">
               <a:rPr lang="en-US" smtClean="0"/>
-              <a:t>10/1/2019</a:t>
+              <a:t>10/2/2019</a:t>
             </a:fld>
             <a:endParaRPr lang="en-US"/>
           </a:p>
@@ -3593,7 +3593,7 @@
           <a:p>
             <a:fld id="{3881C039-66A3-4640-815B-3B5A8B7D868D}" type="datetimeFigureOut">
               <a:rPr lang="en-US" smtClean="0"/>
-              <a:t>10/1/2019</a:t>
+              <a:t>10/2/2019</a:t>
             </a:fld>
             <a:endParaRPr lang="en-US"/>
           </a:p>
@@ -5627,7 +5627,7 @@
                 </a:solidFill>
                 <a:latin typeface="Selawik Semibold" panose="020B0702040204020203" pitchFamily="34" charset="0"/>
               </a:rPr>
-              <a:t>Adrian Griffin Had a +18 Offensive WINVAL Which Means He Had a +23 Defensive  WINVAL (Horrible Impact on the Team Defense)</a:t>
+              <a:t>Adrian Griffin Had a -18 Offensive WINVAL Which Means He Had a +23 Defensive  WINVAL (Horrible Impact on the Mavericks’ Offense)</a:t>
             </a:r>
           </a:p>
           <a:p>
@@ -10003,6 +10003,162 @@
           <a:xfrm>
             <a:off x="2341259" y="4456954"/>
             <a:ext cx="4730873" cy="254395"/>
+          </a:xfrm>
+          <a:prstGeom prst="rect">
+            <a:avLst/>
+          </a:prstGeom>
+          <a:noFill/>
+          <a:ln w="38100">
+            <a:solidFill>
+              <a:srgbClr val="D34817"/>
+            </a:solidFill>
+          </a:ln>
+        </p:spPr>
+        <p:style>
+          <a:lnRef idx="2">
+            <a:schemeClr val="accent1">
+              <a:shade val="50000"/>
+            </a:schemeClr>
+          </a:lnRef>
+          <a:fillRef idx="1">
+            <a:schemeClr val="accent1"/>
+          </a:fillRef>
+          <a:effectRef idx="0">
+            <a:schemeClr val="accent1"/>
+          </a:effectRef>
+          <a:fontRef idx="minor">
+            <a:schemeClr val="lt1"/>
+          </a:fontRef>
+        </p:style>
+        <p:txBody>
+          <a:bodyPr rtlCol="0" anchor="ctr"/>
+          <a:lstStyle/>
+          <a:p>
+            <a:pPr algn="ctr"/>
+            <a:endParaRPr lang="en-US"/>
+          </a:p>
+        </p:txBody>
+      </p:sp>
+      <p:sp>
+        <p:nvSpPr>
+          <p:cNvPr id="29" name="Rectangle 28">
+            <a:extLst>
+              <a:ext uri="{FF2B5EF4-FFF2-40B4-BE49-F238E27FC236}">
+                <a16:creationId xmlns:a16="http://schemas.microsoft.com/office/drawing/2014/main" id="{8849DA9A-994A-4DB7-B11F-FC19F9246A8D}"/>
+              </a:ext>
+            </a:extLst>
+          </p:cNvPr>
+          <p:cNvSpPr/>
+          <p:nvPr/>
+        </p:nvSpPr>
+        <p:spPr>
+          <a:xfrm>
+            <a:off x="7496164" y="3795175"/>
+            <a:ext cx="717630" cy="251163"/>
+          </a:xfrm>
+          <a:prstGeom prst="rect">
+            <a:avLst/>
+          </a:prstGeom>
+          <a:noFill/>
+          <a:ln w="38100">
+            <a:solidFill>
+              <a:srgbClr val="D34817"/>
+            </a:solidFill>
+          </a:ln>
+        </p:spPr>
+        <p:style>
+          <a:lnRef idx="2">
+            <a:schemeClr val="accent1">
+              <a:shade val="50000"/>
+            </a:schemeClr>
+          </a:lnRef>
+          <a:fillRef idx="1">
+            <a:schemeClr val="accent1"/>
+          </a:fillRef>
+          <a:effectRef idx="0">
+            <a:schemeClr val="accent1"/>
+          </a:effectRef>
+          <a:fontRef idx="minor">
+            <a:schemeClr val="lt1"/>
+          </a:fontRef>
+        </p:style>
+        <p:txBody>
+          <a:bodyPr rtlCol="0" anchor="ctr"/>
+          <a:lstStyle/>
+          <a:p>
+            <a:pPr algn="ctr"/>
+            <a:endParaRPr lang="en-US"/>
+          </a:p>
+        </p:txBody>
+      </p:sp>
+      <p:sp>
+        <p:nvSpPr>
+          <p:cNvPr id="30" name="Rectangle 29">
+            <a:extLst>
+              <a:ext uri="{FF2B5EF4-FFF2-40B4-BE49-F238E27FC236}">
+                <a16:creationId xmlns:a16="http://schemas.microsoft.com/office/drawing/2014/main" id="{89823FDB-D915-4B08-98F7-FFB8FD6170B2}"/>
+              </a:ext>
+            </a:extLst>
+          </p:cNvPr>
+          <p:cNvSpPr/>
+          <p:nvPr/>
+        </p:nvSpPr>
+        <p:spPr>
+          <a:xfrm>
+            <a:off x="7496164" y="4451161"/>
+            <a:ext cx="717630" cy="251163"/>
+          </a:xfrm>
+          <a:prstGeom prst="rect">
+            <a:avLst/>
+          </a:prstGeom>
+          <a:noFill/>
+          <a:ln w="38100">
+            <a:solidFill>
+              <a:srgbClr val="D34817"/>
+            </a:solidFill>
+          </a:ln>
+        </p:spPr>
+        <p:style>
+          <a:lnRef idx="2">
+            <a:schemeClr val="accent1">
+              <a:shade val="50000"/>
+            </a:schemeClr>
+          </a:lnRef>
+          <a:fillRef idx="1">
+            <a:schemeClr val="accent1"/>
+          </a:fillRef>
+          <a:effectRef idx="0">
+            <a:schemeClr val="accent1"/>
+          </a:effectRef>
+          <a:fontRef idx="minor">
+            <a:schemeClr val="lt1"/>
+          </a:fontRef>
+        </p:style>
+        <p:txBody>
+          <a:bodyPr rtlCol="0" anchor="ctr"/>
+          <a:lstStyle/>
+          <a:p>
+            <a:pPr algn="ctr"/>
+            <a:endParaRPr lang="en-US"/>
+          </a:p>
+        </p:txBody>
+      </p:sp>
+      <p:sp>
+        <p:nvSpPr>
+          <p:cNvPr id="31" name="Rectangle 30">
+            <a:extLst>
+              <a:ext uri="{FF2B5EF4-FFF2-40B4-BE49-F238E27FC236}">
+                <a16:creationId xmlns:a16="http://schemas.microsoft.com/office/drawing/2014/main" id="{43CBF4BA-025F-4785-9737-81B5DA89D3A9}"/>
+              </a:ext>
+            </a:extLst>
+          </p:cNvPr>
+          <p:cNvSpPr/>
+          <p:nvPr/>
+        </p:nvSpPr>
+        <p:spPr>
+          <a:xfrm>
+            <a:off x="7496164" y="6101435"/>
+            <a:ext cx="717630" cy="251163"/>
           </a:xfrm>
           <a:prstGeom prst="rect">
             <a:avLst/>
